--- a/capstone_week5.pptx
+++ b/capstone_week5.pptx
@@ -8362,7 +8362,15 @@
           <a:p>
             <a:r>
               <a:rPr lang="pl-PL" dirty="0"/>
-              <a:t>The Best </a:t>
+              <a:t>The </a:t>
+            </a:r>
+            <a:r>
+              <a:rPr lang="pl-PL"/>
+              <a:t>best</a:t>
+            </a:r>
+            <a:r>
+              <a:rPr lang="pl-PL" dirty="0"/>
+              <a:t> </a:t>
             </a:r>
             <a:r>
               <a:rPr lang="pl-PL" dirty="0" err="1"/>
@@ -8389,11 +8397,11 @@
             </a:r>
             <a:r>
               <a:rPr lang="pl-PL" dirty="0"/>
-              <a:t> a</a:t>
-            </a:r>
-            <a:r>
-              <a:rPr lang="pl-PL"/>
-              <a:t>ddress</a:t>
+              <a:t> </a:t>
+            </a:r>
+            <a:r>
+              <a:rPr lang="pl-PL" dirty="0" err="1"/>
+              <a:t>address</a:t>
             </a:r>
             <a:r>
               <a:rPr lang="pl-PL" dirty="0"/>

--- a/capstone_week5.pptx
+++ b/capstone_week5.pptx
@@ -5,17 +5,19 @@
     <p:sldMasterId id="2147483648" r:id="rId1"/>
   </p:sldMasterIdLst>
   <p:notesMasterIdLst>
-    <p:notesMasterId r:id="rId7"/>
+    <p:notesMasterId r:id="rId9"/>
   </p:notesMasterIdLst>
   <p:handoutMasterIdLst>
-    <p:handoutMasterId r:id="rId8"/>
+    <p:handoutMasterId r:id="rId10"/>
   </p:handoutMasterIdLst>
   <p:sldIdLst>
     <p:sldId id="257" r:id="rId2"/>
     <p:sldId id="263" r:id="rId3"/>
     <p:sldId id="261" r:id="rId4"/>
-    <p:sldId id="264" r:id="rId5"/>
-    <p:sldId id="265" r:id="rId6"/>
+    <p:sldId id="267" r:id="rId5"/>
+    <p:sldId id="264" r:id="rId6"/>
+    <p:sldId id="266" r:id="rId7"/>
+    <p:sldId id="265" r:id="rId8"/>
   </p:sldIdLst>
   <p:sldSz cx="12192000" cy="6858000"/>
   <p:notesSz cx="7023100" cy="9309100"/>
@@ -906,6 +908,95 @@
     <p:extLst>
       <p:ext uri="{BB962C8B-B14F-4D97-AF65-F5344CB8AC3E}">
         <p14:creationId xmlns:p14="http://schemas.microsoft.com/office/powerpoint/2010/main" val="3937284324"/>
+      </p:ext>
+    </p:extLst>
+  </p:cSld>
+  <p:clrMapOvr>
+    <a:masterClrMapping/>
+  </p:clrMapOvr>
+</p:notes>
+</file>
+
+<file path=ppt/notesSlides/notesSlide4.xml><?xml version="1.0" encoding="utf-8"?>
+<p:notes xmlns:a="http://schemas.openxmlformats.org/drawingml/2006/main" xmlns:r="http://schemas.openxmlformats.org/officeDocument/2006/relationships" xmlns:p="http://schemas.openxmlformats.org/presentationml/2006/main">
+  <p:cSld>
+    <p:spTree>
+      <p:nvGrpSpPr>
+        <p:cNvPr id="1" name=""/>
+        <p:cNvGrpSpPr/>
+        <p:nvPr/>
+      </p:nvGrpSpPr>
+      <p:grpSpPr>
+        <a:xfrm>
+          <a:off x="0" y="0"/>
+          <a:ext cx="0" cy="0"/>
+          <a:chOff x="0" y="0"/>
+          <a:chExt cx="0" cy="0"/>
+        </a:xfrm>
+      </p:grpSpPr>
+      <p:sp>
+        <p:nvSpPr>
+          <p:cNvPr id="2" name="Obraz slajdu — symbol zastępczy 1"/>
+          <p:cNvSpPr>
+            <a:spLocks noGrp="1" noRot="1" noChangeAspect="1"/>
+          </p:cNvSpPr>
+          <p:nvPr>
+            <p:ph type="sldImg"/>
+          </p:nvPr>
+        </p:nvSpPr>
+        <p:spPr/>
+      </p:sp>
+      <p:sp>
+        <p:nvSpPr>
+          <p:cNvPr id="3" name="Notatki — symbol zastępczy 2"/>
+          <p:cNvSpPr>
+            <a:spLocks noGrp="1"/>
+          </p:cNvSpPr>
+          <p:nvPr>
+            <p:ph type="body" idx="1"/>
+          </p:nvPr>
+        </p:nvSpPr>
+        <p:spPr/>
+        <p:txBody>
+          <a:bodyPr rtlCol="0">
+            <a:normAutofit/>
+          </a:bodyPr>
+          <a:lstStyle/>
+          <a:p>
+            <a:pPr rtl="0"/>
+            <a:endParaRPr lang="pl-PL" dirty="0"/>
+          </a:p>
+        </p:txBody>
+      </p:sp>
+      <p:sp>
+        <p:nvSpPr>
+          <p:cNvPr id="4" name="Numer slajdu — symbol zastępczy 3"/>
+          <p:cNvSpPr>
+            <a:spLocks noGrp="1"/>
+          </p:cNvSpPr>
+          <p:nvPr>
+            <p:ph type="sldNum" sz="quarter" idx="10"/>
+          </p:nvPr>
+        </p:nvSpPr>
+        <p:spPr/>
+        <p:txBody>
+          <a:bodyPr rtlCol="0"/>
+          <a:lstStyle/>
+          <a:p>
+            <a:pPr rtl="0"/>
+            <a:fld id="{5257B995-136A-4A15-87A5-26420C3C1021}" type="slidenum">
+              <a:rPr lang="pl-PL" smtClean="0"/>
+              <a:pPr rtl="0"/>
+              <a:t>4</a:t>
+            </a:fld>
+            <a:endParaRPr lang="pl-PL" dirty="0"/>
+          </a:p>
+        </p:txBody>
+      </p:sp>
+    </p:spTree>
+    <p:extLst>
+      <p:ext uri="{BB962C8B-B14F-4D97-AF65-F5344CB8AC3E}">
+        <p14:creationId xmlns:p14="http://schemas.microsoft.com/office/powerpoint/2010/main" val="1210267190"/>
       </p:ext>
     </p:extLst>
   </p:cSld>
@@ -7960,13 +8051,7 @@
       </p:grpSpPr>
       <p:sp>
         <p:nvSpPr>
-          <p:cNvPr id="2" name="Tytuł 1">
-            <a:extLst>
-              <a:ext uri="{FF2B5EF4-FFF2-40B4-BE49-F238E27FC236}">
-                <a16:creationId xmlns:a16="http://schemas.microsoft.com/office/drawing/2014/main" id="{C71A2840-7CEF-44FA-8108-7A3142B4851E}"/>
-              </a:ext>
-            </a:extLst>
-          </p:cNvPr>
+          <p:cNvPr id="2" name="Tytuł 1"/>
           <p:cNvSpPr>
             <a:spLocks noGrp="1"/>
           </p:cNvSpPr>
@@ -7976,26 +8061,31 @@
         </p:nvSpPr>
         <p:spPr/>
         <p:txBody>
-          <a:bodyPr/>
+          <a:bodyPr rtlCol="0"/>
           <a:lstStyle/>
           <a:p>
             <a:r>
               <a:rPr lang="pl-PL" dirty="0" err="1"/>
-              <a:t>Methodology</a:t>
-            </a:r>
+              <a:t>Python</a:t>
+            </a:r>
+            <a:r>
+              <a:rPr lang="pl-PL" dirty="0"/>
+              <a:t> </a:t>
+            </a:r>
+            <a:r>
+              <a:rPr lang="pl-PL" dirty="0" err="1"/>
+              <a:t>packages</a:t>
+            </a:r>
+            <a:br>
+              <a:rPr lang="pl-PL" dirty="0"/>
+            </a:br>
             <a:endParaRPr lang="pl-PL" dirty="0"/>
           </a:p>
         </p:txBody>
       </p:sp>
       <p:sp>
         <p:nvSpPr>
-          <p:cNvPr id="3" name="Symbol zastępczy zawartości 2">
-            <a:extLst>
-              <a:ext uri="{FF2B5EF4-FFF2-40B4-BE49-F238E27FC236}">
-                <a16:creationId xmlns:a16="http://schemas.microsoft.com/office/drawing/2014/main" id="{08102F7C-088D-47FB-8186-2CD643D4C543}"/>
-              </a:ext>
-            </a:extLst>
-          </p:cNvPr>
+          <p:cNvPr id="5" name="Zawartość — symbol zastępczy 4"/>
           <p:cNvSpPr>
             <a:spLocks noGrp="1"/>
           </p:cNvSpPr>
@@ -8005,16 +8095,32 @@
         </p:nvSpPr>
         <p:spPr/>
         <p:txBody>
-          <a:bodyPr/>
+          <a:bodyPr rtlCol="0">
+            <a:normAutofit/>
+          </a:bodyPr>
           <a:lstStyle/>
           <a:p>
             <a:r>
-              <a:rPr lang="pl-PL" dirty="0"/>
-              <a:t>For </a:t>
-            </a:r>
-            <a:r>
               <a:rPr lang="pl-PL" dirty="0" err="1"/>
-              <a:t>each</a:t>
+              <a:t>Pandas</a:t>
+            </a:r>
+            <a:r>
+              <a:rPr lang="pl-PL" dirty="0"/>
+              <a:t> - Library for Data Analysis</a:t>
+            </a:r>
+          </a:p>
+          <a:p>
+            <a:r>
+              <a:rPr lang="pl-PL" dirty="0" err="1"/>
+              <a:t>NumPy</a:t>
+            </a:r>
+            <a:r>
+              <a:rPr lang="pl-PL" dirty="0"/>
+              <a:t> – Library to handle data in a </a:t>
+            </a:r>
+            <a:r>
+              <a:rPr lang="pl-PL" dirty="0" err="1"/>
+              <a:t>vectorized</a:t>
             </a:r>
             <a:r>
               <a:rPr lang="pl-PL" dirty="0"/>
@@ -8022,7 +8128,48 @@
             </a:r>
             <a:r>
               <a:rPr lang="pl-PL" dirty="0" err="1"/>
-              <a:t>location</a:t>
+              <a:t>manner</a:t>
+            </a:r>
+            <a:endParaRPr lang="pl-PL" dirty="0"/>
+          </a:p>
+          <a:p>
+            <a:r>
+              <a:rPr lang="pl-PL" dirty="0"/>
+              <a:t>JSON – Library to handle JSON </a:t>
+            </a:r>
+            <a:r>
+              <a:rPr lang="pl-PL" dirty="0" err="1"/>
+              <a:t>files</a:t>
+            </a:r>
+            <a:endParaRPr lang="pl-PL" dirty="0"/>
+          </a:p>
+          <a:p>
+            <a:r>
+              <a:rPr lang="pl-PL" dirty="0" err="1"/>
+              <a:t>Requests</a:t>
+            </a:r>
+            <a:r>
+              <a:rPr lang="pl-PL" dirty="0"/>
+              <a:t> – Library to handle http </a:t>
+            </a:r>
+            <a:r>
+              <a:rPr lang="pl-PL" dirty="0" err="1"/>
+              <a:t>requests</a:t>
+            </a:r>
+            <a:endParaRPr lang="pl-PL" dirty="0"/>
+          </a:p>
+          <a:p>
+            <a:r>
+              <a:rPr lang="pl-PL" dirty="0" err="1"/>
+              <a:t>Matplotlib</a:t>
+            </a:r>
+            <a:r>
+              <a:rPr lang="pl-PL" dirty="0"/>
+              <a:t> – </a:t>
+            </a:r>
+            <a:r>
+              <a:rPr lang="pl-PL" dirty="0" err="1"/>
+              <a:t>Python</a:t>
             </a:r>
             <a:r>
               <a:rPr lang="pl-PL" dirty="0"/>
@@ -8030,65 +8177,25 @@
             </a:r>
             <a:r>
               <a:rPr lang="pl-PL" dirty="0" err="1"/>
-              <a:t>check</a:t>
-            </a:r>
-            <a:r>
-              <a:rPr lang="pl-PL" dirty="0"/>
-              <a:t> the list of 10 most </a:t>
-            </a:r>
+              <a:t>Plotting</a:t>
+            </a:r>
+            <a:r>
+              <a:rPr lang="pl-PL" dirty="0"/>
+              <a:t> Module</a:t>
+            </a:r>
+          </a:p>
+          <a:p>
             <a:r>
               <a:rPr lang="pl-PL" dirty="0" err="1"/>
-              <a:t>common</a:t>
-            </a:r>
-            <a:r>
-              <a:rPr lang="pl-PL" dirty="0"/>
-              <a:t> </a:t>
+              <a:t>Sklearn</a:t>
+            </a:r>
+            <a:r>
+              <a:rPr lang="pl-PL" dirty="0"/>
+              <a:t> – </a:t>
             </a:r>
             <a:r>
               <a:rPr lang="pl-PL" dirty="0" err="1"/>
-              <a:t>venues</a:t>
-            </a:r>
-            <a:r>
-              <a:rPr lang="pl-PL" dirty="0"/>
-              <a:t> </a:t>
-            </a:r>
-            <a:r>
-              <a:rPr lang="pl-PL" dirty="0" err="1"/>
-              <a:t>using</a:t>
-            </a:r>
-            <a:r>
-              <a:rPr lang="pl-PL" dirty="0"/>
-              <a:t> </a:t>
-            </a:r>
-            <a:r>
-              <a:rPr lang="pl-PL" dirty="0" err="1"/>
-              <a:t>Forsquare</a:t>
-            </a:r>
-            <a:r>
-              <a:rPr lang="pl-PL" dirty="0"/>
-              <a:t> API</a:t>
-            </a:r>
-          </a:p>
-          <a:p>
-            <a:r>
-              <a:rPr lang="pl-PL" dirty="0" err="1"/>
-              <a:t>Create</a:t>
-            </a:r>
-            <a:r>
-              <a:rPr lang="pl-PL" dirty="0"/>
-              <a:t> </a:t>
-            </a:r>
-            <a:r>
-              <a:rPr lang="pl-PL" dirty="0" err="1"/>
-              <a:t>clusters</a:t>
-            </a:r>
-            <a:r>
-              <a:rPr lang="pl-PL" dirty="0"/>
-              <a:t> </a:t>
-            </a:r>
-            <a:r>
-              <a:rPr lang="pl-PL" dirty="0" err="1"/>
-              <a:t>using</a:t>
+              <a:t>Python</a:t>
             </a:r>
             <a:r>
               <a:rPr lang="pl-PL" dirty="0"/>
@@ -8100,190 +8207,62 @@
             </a:r>
             <a:r>
               <a:rPr lang="pl-PL" dirty="0"/>
-              <a:t> learning k-</a:t>
-            </a:r>
+              <a:t> learning Library</a:t>
+            </a:r>
+          </a:p>
+          <a:p>
             <a:r>
               <a:rPr lang="pl-PL" dirty="0" err="1"/>
-              <a:t>means</a:t>
+              <a:t>Folium</a:t>
+            </a:r>
+            <a:r>
+              <a:rPr lang="pl-PL" dirty="0"/>
+              <a:t> – Map rendering Library</a:t>
+            </a:r>
+          </a:p>
+          <a:p>
+            <a:r>
+              <a:rPr lang="pl-PL" dirty="0" err="1"/>
+              <a:t>BeautifulSoup</a:t>
             </a:r>
             <a:r>
               <a:rPr lang="pl-PL" dirty="0"/>
               <a:t> </a:t>
             </a:r>
             <a:r>
+              <a:rPr lang="pl-PL"/>
+              <a:t>– Library </a:t>
+            </a:r>
+            <a:r>
+              <a:rPr lang="pl-PL" dirty="0"/>
+              <a:t>for </a:t>
+            </a:r>
+            <a:r>
               <a:rPr lang="pl-PL" dirty="0" err="1"/>
-              <a:t>algorithm</a:t>
-            </a:r>
-            <a:r>
-              <a:rPr lang="pl-PL" dirty="0"/>
-              <a:t> </a:t>
+              <a:t>parsing</a:t>
+            </a:r>
+            <a:r>
+              <a:rPr lang="pl-PL" dirty="0"/>
+              <a:t> HTML </a:t>
             </a:r>
             <a:r>
               <a:rPr lang="pl-PL" dirty="0" err="1"/>
-              <a:t>basing</a:t>
-            </a:r>
-            <a:r>
-              <a:rPr lang="pl-PL" dirty="0"/>
-              <a:t> on most </a:t>
-            </a:r>
-            <a:r>
-              <a:rPr lang="pl-PL" dirty="0" err="1"/>
-              <a:t>common</a:t>
-            </a:r>
-            <a:r>
-              <a:rPr lang="pl-PL" dirty="0"/>
-              <a:t> </a:t>
-            </a:r>
-            <a:r>
-              <a:rPr lang="pl-PL" dirty="0" err="1"/>
-              <a:t>venues</a:t>
+              <a:t>sources</a:t>
             </a:r>
             <a:endParaRPr lang="pl-PL" dirty="0"/>
           </a:p>
           <a:p>
-            <a:r>
-              <a:rPr lang="pl-PL" dirty="0"/>
-              <a:t>Select a </a:t>
-            </a:r>
-            <a:r>
-              <a:rPr lang="pl-PL" dirty="0" err="1"/>
-              <a:t>cluster</a:t>
-            </a:r>
-            <a:r>
-              <a:rPr lang="pl-PL" dirty="0"/>
-              <a:t> </a:t>
-            </a:r>
-            <a:r>
-              <a:rPr lang="pl-PL" dirty="0" err="1"/>
-              <a:t>where</a:t>
-            </a:r>
-            <a:r>
-              <a:rPr lang="pl-PL" dirty="0"/>
-              <a:t> </a:t>
-            </a:r>
-            <a:r>
-              <a:rPr lang="pl-PL" dirty="0" err="1"/>
-              <a:t>dumpling</a:t>
-            </a:r>
-            <a:r>
-              <a:rPr lang="pl-PL" dirty="0"/>
-              <a:t> </a:t>
-            </a:r>
-            <a:r>
-              <a:rPr lang="pl-PL" dirty="0" err="1"/>
-              <a:t>restaurant</a:t>
-            </a:r>
-            <a:r>
-              <a:rPr lang="pl-PL" dirty="0"/>
-              <a:t> </a:t>
-            </a:r>
-            <a:r>
-              <a:rPr lang="pl-PL" dirty="0" err="1"/>
-              <a:t>is</a:t>
-            </a:r>
-            <a:r>
-              <a:rPr lang="pl-PL" dirty="0"/>
-              <a:t> </a:t>
-            </a:r>
-            <a:r>
-              <a:rPr lang="pl-PL" dirty="0" err="1"/>
-              <a:t>among</a:t>
-            </a:r>
-            <a:r>
-              <a:rPr lang="pl-PL" dirty="0"/>
-              <a:t> the most popular </a:t>
-            </a:r>
-            <a:r>
-              <a:rPr lang="pl-PL" dirty="0" err="1"/>
-              <a:t>venues</a:t>
-            </a:r>
+            <a:pPr marL="457200" lvl="1" indent="0">
+              <a:buNone/>
+            </a:pPr>
             <a:endParaRPr lang="pl-PL" dirty="0"/>
-          </a:p>
-          <a:p>
-            <a:pPr lvl="1"/>
-            <a:r>
-              <a:rPr lang="pl-PL" dirty="0"/>
-              <a:t>Select </a:t>
-            </a:r>
-            <a:r>
-              <a:rPr lang="pl-PL" dirty="0" err="1"/>
-              <a:t>all</a:t>
-            </a:r>
-            <a:r>
-              <a:rPr lang="pl-PL" dirty="0"/>
-              <a:t> </a:t>
-            </a:r>
-            <a:r>
-              <a:rPr lang="pl-PL" dirty="0" err="1"/>
-              <a:t>addresses</a:t>
-            </a:r>
-            <a:r>
-              <a:rPr lang="pl-PL" dirty="0"/>
-              <a:t> </a:t>
-            </a:r>
-            <a:r>
-              <a:rPr lang="pl-PL" dirty="0" err="1"/>
-              <a:t>within</a:t>
-            </a:r>
-            <a:r>
-              <a:rPr lang="pl-PL" dirty="0"/>
-              <a:t> the </a:t>
-            </a:r>
-            <a:r>
-              <a:rPr lang="pl-PL" dirty="0" err="1"/>
-              <a:t>cluster</a:t>
-            </a:r>
-            <a:r>
-              <a:rPr lang="pl-PL" dirty="0"/>
-              <a:t> </a:t>
-            </a:r>
-            <a:r>
-              <a:rPr lang="pl-PL" dirty="0" err="1"/>
-              <a:t>where</a:t>
-            </a:r>
-            <a:r>
-              <a:rPr lang="pl-PL" dirty="0"/>
-              <a:t> the </a:t>
-            </a:r>
-            <a:r>
-              <a:rPr lang="pl-PL" dirty="0" err="1"/>
-              <a:t>dumpling</a:t>
-            </a:r>
-            <a:r>
-              <a:rPr lang="pl-PL" dirty="0"/>
-              <a:t> </a:t>
-            </a:r>
-            <a:r>
-              <a:rPr lang="pl-PL" dirty="0" err="1"/>
-              <a:t>restaurant</a:t>
-            </a:r>
-            <a:r>
-              <a:rPr lang="pl-PL" dirty="0"/>
-              <a:t> </a:t>
-            </a:r>
-            <a:r>
-              <a:rPr lang="pl-PL" dirty="0" err="1"/>
-              <a:t>is</a:t>
-            </a:r>
-            <a:r>
-              <a:rPr lang="pl-PL" dirty="0"/>
-              <a:t> </a:t>
-            </a:r>
-            <a:r>
-              <a:rPr lang="pl-PL" dirty="0" err="1"/>
-              <a:t>still</a:t>
-            </a:r>
-            <a:r>
-              <a:rPr lang="pl-PL" dirty="0"/>
-              <a:t> not popular </a:t>
-            </a:r>
           </a:p>
         </p:txBody>
       </p:sp>
     </p:spTree>
     <p:extLst>
       <p:ext uri="{BB962C8B-B14F-4D97-AF65-F5344CB8AC3E}">
-        <p14:creationId xmlns:p14="http://schemas.microsoft.com/office/powerpoint/2010/main" val="3342324287"/>
+        <p14:creationId xmlns:p14="http://schemas.microsoft.com/office/powerpoint/2010/main" val="2795814565"/>
       </p:ext>
     </p:extLst>
   </p:cSld>
@@ -8333,7 +8312,7 @@
           <a:p>
             <a:r>
               <a:rPr lang="pl-PL" dirty="0" err="1"/>
-              <a:t>Results</a:t>
+              <a:t>Methodology</a:t>
             </a:r>
             <a:endParaRPr lang="pl-PL" dirty="0"/>
           </a:p>
@@ -8362,15 +8341,140 @@
           <a:p>
             <a:r>
               <a:rPr lang="pl-PL" dirty="0"/>
-              <a:t>The </a:t>
-            </a:r>
-            <a:r>
-              <a:rPr lang="pl-PL"/>
-              <a:t>best</a:t>
+              <a:t>For </a:t>
+            </a:r>
+            <a:r>
+              <a:rPr lang="pl-PL" dirty="0" err="1"/>
+              <a:t>each</a:t>
             </a:r>
             <a:r>
               <a:rPr lang="pl-PL" dirty="0"/>
               <a:t> </a:t>
+            </a:r>
+            <a:r>
+              <a:rPr lang="pl-PL" dirty="0" err="1"/>
+              <a:t>location</a:t>
+            </a:r>
+            <a:r>
+              <a:rPr lang="pl-PL" dirty="0"/>
+              <a:t> </a:t>
+            </a:r>
+            <a:r>
+              <a:rPr lang="pl-PL" dirty="0" err="1"/>
+              <a:t>check</a:t>
+            </a:r>
+            <a:r>
+              <a:rPr lang="pl-PL" dirty="0"/>
+              <a:t> the list of 10 most </a:t>
+            </a:r>
+            <a:r>
+              <a:rPr lang="pl-PL" dirty="0" err="1"/>
+              <a:t>common</a:t>
+            </a:r>
+            <a:r>
+              <a:rPr lang="pl-PL" dirty="0"/>
+              <a:t> </a:t>
+            </a:r>
+            <a:r>
+              <a:rPr lang="pl-PL" dirty="0" err="1"/>
+              <a:t>venues</a:t>
+            </a:r>
+            <a:r>
+              <a:rPr lang="pl-PL" dirty="0"/>
+              <a:t> </a:t>
+            </a:r>
+            <a:r>
+              <a:rPr lang="pl-PL" dirty="0" err="1"/>
+              <a:t>using</a:t>
+            </a:r>
+            <a:r>
+              <a:rPr lang="pl-PL" dirty="0"/>
+              <a:t> </a:t>
+            </a:r>
+            <a:r>
+              <a:rPr lang="pl-PL" dirty="0" err="1"/>
+              <a:t>Forsquare</a:t>
+            </a:r>
+            <a:r>
+              <a:rPr lang="pl-PL" dirty="0"/>
+              <a:t> API</a:t>
+            </a:r>
+          </a:p>
+          <a:p>
+            <a:r>
+              <a:rPr lang="pl-PL" dirty="0" err="1"/>
+              <a:t>Create</a:t>
+            </a:r>
+            <a:r>
+              <a:rPr lang="pl-PL" dirty="0"/>
+              <a:t> </a:t>
+            </a:r>
+            <a:r>
+              <a:rPr lang="pl-PL" dirty="0" err="1"/>
+              <a:t>clusters</a:t>
+            </a:r>
+            <a:r>
+              <a:rPr lang="pl-PL" dirty="0"/>
+              <a:t> </a:t>
+            </a:r>
+            <a:r>
+              <a:rPr lang="pl-PL" dirty="0" err="1"/>
+              <a:t>using</a:t>
+            </a:r>
+            <a:r>
+              <a:rPr lang="pl-PL" dirty="0"/>
+              <a:t> </a:t>
+            </a:r>
+            <a:r>
+              <a:rPr lang="pl-PL" dirty="0" err="1"/>
+              <a:t>machine</a:t>
+            </a:r>
+            <a:r>
+              <a:rPr lang="pl-PL" dirty="0"/>
+              <a:t> learning k-</a:t>
+            </a:r>
+            <a:r>
+              <a:rPr lang="pl-PL" dirty="0" err="1"/>
+              <a:t>means</a:t>
+            </a:r>
+            <a:r>
+              <a:rPr lang="pl-PL" dirty="0"/>
+              <a:t> </a:t>
+            </a:r>
+            <a:r>
+              <a:rPr lang="pl-PL" dirty="0" err="1"/>
+              <a:t>algorithm</a:t>
+            </a:r>
+            <a:r>
+              <a:rPr lang="pl-PL" dirty="0"/>
+              <a:t> </a:t>
+            </a:r>
+            <a:r>
+              <a:rPr lang="pl-PL" dirty="0" err="1"/>
+              <a:t>basing</a:t>
+            </a:r>
+            <a:r>
+              <a:rPr lang="pl-PL" dirty="0"/>
+              <a:t> on most </a:t>
+            </a:r>
+            <a:r>
+              <a:rPr lang="pl-PL" dirty="0" err="1"/>
+              <a:t>common</a:t>
+            </a:r>
+            <a:r>
+              <a:rPr lang="pl-PL" dirty="0"/>
+              <a:t> </a:t>
+            </a:r>
+            <a:r>
+              <a:rPr lang="pl-PL" dirty="0" err="1"/>
+              <a:t>venues</a:t>
+            </a:r>
+            <a:endParaRPr lang="pl-PL" dirty="0"/>
+          </a:p>
+          <a:p>
+            <a:r>
+              <a:rPr lang="pl-PL" dirty="0"/>
+              <a:t>Select a </a:t>
             </a:r>
             <a:r>
               <a:rPr lang="pl-PL" dirty="0" err="1"/>
@@ -8378,18 +8482,436 @@
             </a:r>
             <a:r>
               <a:rPr lang="pl-PL" dirty="0"/>
+              <a:t> </a:t>
+            </a:r>
+            <a:r>
+              <a:rPr lang="pl-PL" dirty="0" err="1"/>
+              <a:t>where</a:t>
+            </a:r>
+            <a:r>
+              <a:rPr lang="pl-PL" dirty="0"/>
+              <a:t> </a:t>
+            </a:r>
+            <a:r>
+              <a:rPr lang="pl-PL" dirty="0" err="1"/>
+              <a:t>dumpling</a:t>
+            </a:r>
+            <a:r>
+              <a:rPr lang="pl-PL" dirty="0"/>
+              <a:t> </a:t>
+            </a:r>
+            <a:r>
+              <a:rPr lang="pl-PL" dirty="0" err="1"/>
+              <a:t>restaurant</a:t>
+            </a:r>
+            <a:r>
+              <a:rPr lang="pl-PL" dirty="0"/>
+              <a:t> </a:t>
+            </a:r>
+            <a:r>
+              <a:rPr lang="pl-PL" dirty="0" err="1"/>
+              <a:t>is</a:t>
+            </a:r>
+            <a:r>
+              <a:rPr lang="pl-PL" dirty="0"/>
+              <a:t> </a:t>
+            </a:r>
+            <a:r>
+              <a:rPr lang="pl-PL" dirty="0" err="1"/>
+              <a:t>among</a:t>
+            </a:r>
+            <a:r>
+              <a:rPr lang="pl-PL" dirty="0"/>
+              <a:t> the most popular </a:t>
+            </a:r>
+            <a:r>
+              <a:rPr lang="pl-PL" dirty="0" err="1"/>
+              <a:t>venues</a:t>
+            </a:r>
+            <a:endParaRPr lang="pl-PL" dirty="0"/>
+          </a:p>
+          <a:p>
+            <a:pPr lvl="1"/>
+            <a:r>
+              <a:rPr lang="pl-PL" dirty="0"/>
+              <a:t>Select </a:t>
+            </a:r>
+            <a:r>
+              <a:rPr lang="pl-PL" dirty="0" err="1"/>
+              <a:t>all</a:t>
+            </a:r>
+            <a:r>
+              <a:rPr lang="pl-PL" dirty="0"/>
+              <a:t> </a:t>
+            </a:r>
+            <a:r>
+              <a:rPr lang="pl-PL" dirty="0" err="1"/>
+              <a:t>addresses</a:t>
+            </a:r>
+            <a:r>
+              <a:rPr lang="pl-PL" dirty="0"/>
+              <a:t> </a:t>
+            </a:r>
+            <a:r>
+              <a:rPr lang="pl-PL" dirty="0" err="1"/>
+              <a:t>within</a:t>
+            </a:r>
+            <a:r>
+              <a:rPr lang="pl-PL" dirty="0"/>
+              <a:t> the </a:t>
+            </a:r>
+            <a:r>
+              <a:rPr lang="pl-PL" dirty="0" err="1"/>
+              <a:t>cluster</a:t>
+            </a:r>
+            <a:r>
+              <a:rPr lang="pl-PL" dirty="0"/>
+              <a:t> </a:t>
+            </a:r>
+            <a:r>
+              <a:rPr lang="pl-PL" dirty="0" err="1"/>
+              <a:t>where</a:t>
+            </a:r>
+            <a:r>
+              <a:rPr lang="pl-PL" dirty="0"/>
+              <a:t> the </a:t>
+            </a:r>
+            <a:r>
+              <a:rPr lang="pl-PL" dirty="0" err="1"/>
+              <a:t>dumpling</a:t>
+            </a:r>
+            <a:r>
+              <a:rPr lang="pl-PL" dirty="0"/>
+              <a:t> </a:t>
+            </a:r>
+            <a:r>
+              <a:rPr lang="pl-PL" dirty="0" err="1"/>
+              <a:t>restaurant</a:t>
+            </a:r>
+            <a:r>
+              <a:rPr lang="pl-PL" dirty="0"/>
+              <a:t> </a:t>
+            </a:r>
+            <a:r>
+              <a:rPr lang="pl-PL" dirty="0" err="1"/>
+              <a:t>is</a:t>
+            </a:r>
+            <a:r>
+              <a:rPr lang="pl-PL" dirty="0"/>
+              <a:t> </a:t>
+            </a:r>
+            <a:r>
+              <a:rPr lang="pl-PL" dirty="0" err="1"/>
+              <a:t>still</a:t>
+            </a:r>
+            <a:r>
+              <a:rPr lang="pl-PL" dirty="0"/>
+              <a:t> not popular </a:t>
+            </a:r>
+          </a:p>
+        </p:txBody>
+      </p:sp>
+    </p:spTree>
+    <p:extLst>
+      <p:ext uri="{BB962C8B-B14F-4D97-AF65-F5344CB8AC3E}">
+        <p14:creationId xmlns:p14="http://schemas.microsoft.com/office/powerpoint/2010/main" val="3342324287"/>
+      </p:ext>
+    </p:extLst>
+  </p:cSld>
+  <p:clrMapOvr>
+    <a:masterClrMapping/>
+  </p:clrMapOvr>
+</p:sld>
+</file>
+
+<file path=ppt/slides/slide6.xml><?xml version="1.0" encoding="utf-8"?>
+<p:sld xmlns:a="http://schemas.openxmlformats.org/drawingml/2006/main" xmlns:r="http://schemas.openxmlformats.org/officeDocument/2006/relationships" xmlns:p="http://schemas.openxmlformats.org/presentationml/2006/main">
+  <p:cSld>
+    <p:spTree>
+      <p:nvGrpSpPr>
+        <p:cNvPr id="1" name=""/>
+        <p:cNvGrpSpPr/>
+        <p:nvPr/>
+      </p:nvGrpSpPr>
+      <p:grpSpPr>
+        <a:xfrm>
+          <a:off x="0" y="0"/>
+          <a:ext cx="0" cy="0"/>
+          <a:chOff x="0" y="0"/>
+          <a:chExt cx="0" cy="0"/>
+        </a:xfrm>
+      </p:grpSpPr>
+      <p:sp>
+        <p:nvSpPr>
+          <p:cNvPr id="2" name="Tytuł 1">
+            <a:extLst>
+              <a:ext uri="{FF2B5EF4-FFF2-40B4-BE49-F238E27FC236}">
+                <a16:creationId xmlns:a16="http://schemas.microsoft.com/office/drawing/2014/main" id="{C71A2840-7CEF-44FA-8108-7A3142B4851E}"/>
+              </a:ext>
+            </a:extLst>
+          </p:cNvPr>
+          <p:cNvSpPr>
+            <a:spLocks noGrp="1"/>
+          </p:cNvSpPr>
+          <p:nvPr>
+            <p:ph type="title"/>
+          </p:nvPr>
+        </p:nvSpPr>
+        <p:spPr>
+          <a:xfrm>
+            <a:off x="646111" y="452718"/>
+            <a:ext cx="9404723" cy="889521"/>
+          </a:xfrm>
+        </p:spPr>
+        <p:txBody>
+          <a:bodyPr/>
+          <a:lstStyle/>
+          <a:p>
+            <a:r>
+              <a:rPr lang="pl-PL" dirty="0" err="1"/>
+              <a:t>Results</a:t>
+            </a:r>
+            <a:endParaRPr lang="pl-PL" dirty="0"/>
+          </a:p>
+        </p:txBody>
+      </p:sp>
+      <p:sp>
+        <p:nvSpPr>
+          <p:cNvPr id="3" name="Symbol zastępczy zawartości 2">
+            <a:extLst>
+              <a:ext uri="{FF2B5EF4-FFF2-40B4-BE49-F238E27FC236}">
+                <a16:creationId xmlns:a16="http://schemas.microsoft.com/office/drawing/2014/main" id="{08102F7C-088D-47FB-8186-2CD643D4C543}"/>
+              </a:ext>
+            </a:extLst>
+          </p:cNvPr>
+          <p:cNvSpPr>
+            <a:spLocks noGrp="1"/>
+          </p:cNvSpPr>
+          <p:nvPr>
+            <p:ph idx="1"/>
+          </p:nvPr>
+        </p:nvSpPr>
+        <p:spPr>
+          <a:xfrm>
+            <a:off x="1103312" y="1241571"/>
+            <a:ext cx="8946541" cy="5335397"/>
+          </a:xfrm>
+        </p:spPr>
+        <p:txBody>
+          <a:bodyPr/>
+          <a:lstStyle/>
+          <a:p>
+            <a:r>
+              <a:rPr lang="pl-PL" dirty="0"/>
+              <a:t>10 </a:t>
+            </a:r>
+            <a:r>
+              <a:rPr lang="pl-PL" dirty="0" err="1"/>
+              <a:t>clusters</a:t>
+            </a:r>
+            <a:r>
+              <a:rPr lang="pl-PL" dirty="0"/>
+              <a:t> </a:t>
+            </a:r>
+            <a:r>
+              <a:rPr lang="pl-PL" dirty="0" err="1"/>
+              <a:t>based</a:t>
+            </a:r>
+            <a:r>
+              <a:rPr lang="pl-PL" dirty="0"/>
+              <a:t> on most </a:t>
+            </a:r>
+            <a:r>
+              <a:rPr lang="pl-PL" dirty="0" err="1"/>
+              <a:t>common</a:t>
+            </a:r>
+            <a:r>
+              <a:rPr lang="pl-PL" dirty="0"/>
+              <a:t> </a:t>
+            </a:r>
+            <a:r>
+              <a:rPr lang="pl-PL" dirty="0" err="1"/>
+              <a:t>venues</a:t>
+            </a:r>
+            <a:r>
+              <a:rPr lang="pl-PL" dirty="0"/>
+              <a:t> </a:t>
+            </a:r>
+            <a:r>
+              <a:rPr lang="pl-PL" dirty="0" err="1"/>
+              <a:t>among</a:t>
+            </a:r>
+            <a:r>
+              <a:rPr lang="pl-PL" dirty="0"/>
+              <a:t> </a:t>
+            </a:r>
+            <a:r>
+              <a:rPr lang="pl-PL" dirty="0" err="1"/>
+              <a:t>residents</a:t>
+            </a:r>
+            <a:r>
+              <a:rPr lang="pl-PL" dirty="0"/>
+              <a:t> was </a:t>
+            </a:r>
+            <a:r>
+              <a:rPr lang="pl-PL" dirty="0" err="1"/>
+              <a:t>found</a:t>
+            </a:r>
+            <a:endParaRPr lang="pl-PL" dirty="0"/>
+          </a:p>
+          <a:p>
+            <a:endParaRPr lang="pl-PL" dirty="0"/>
+          </a:p>
+        </p:txBody>
+      </p:sp>
+      <p:pic>
+        <p:nvPicPr>
+          <p:cNvPr id="5" name="Obraz 4">
+            <a:extLst>
+              <a:ext uri="{FF2B5EF4-FFF2-40B4-BE49-F238E27FC236}">
+                <a16:creationId xmlns:a16="http://schemas.microsoft.com/office/drawing/2014/main" id="{008702CA-883E-4323-B820-C1A35ADA6609}"/>
+              </a:ext>
+            </a:extLst>
+          </p:cNvPr>
+          <p:cNvPicPr/>
+          <p:nvPr/>
+        </p:nvPicPr>
+        <p:blipFill>
+          <a:blip r:embed="rId2">
+            <a:extLst>
+              <a:ext uri="{28A0092B-C50C-407E-A947-70E740481C1C}">
+                <a14:useLocalDpi xmlns:a14="http://schemas.microsoft.com/office/drawing/2010/main" val="0"/>
+              </a:ext>
+            </a:extLst>
+          </a:blip>
+          <a:srcRect/>
+          <a:stretch>
+            <a:fillRect/>
+          </a:stretch>
+        </p:blipFill>
+        <p:spPr bwMode="auto">
+          <a:xfrm>
+            <a:off x="1283517" y="1973594"/>
+            <a:ext cx="7739050" cy="4431688"/>
+          </a:xfrm>
+          <a:prstGeom prst="rect">
+            <a:avLst/>
+          </a:prstGeom>
+          <a:noFill/>
+          <a:ln>
+            <a:noFill/>
+          </a:ln>
+        </p:spPr>
+      </p:pic>
+    </p:spTree>
+    <p:extLst>
+      <p:ext uri="{BB962C8B-B14F-4D97-AF65-F5344CB8AC3E}">
+        <p14:creationId xmlns:p14="http://schemas.microsoft.com/office/powerpoint/2010/main" val="490746087"/>
+      </p:ext>
+    </p:extLst>
+  </p:cSld>
+  <p:clrMapOvr>
+    <a:masterClrMapping/>
+  </p:clrMapOvr>
+</p:sld>
+</file>
+
+<file path=ppt/slides/slide7.xml><?xml version="1.0" encoding="utf-8"?>
+<p:sld xmlns:a="http://schemas.openxmlformats.org/drawingml/2006/main" xmlns:r="http://schemas.openxmlformats.org/officeDocument/2006/relationships" xmlns:p="http://schemas.openxmlformats.org/presentationml/2006/main">
+  <p:cSld>
+    <p:spTree>
+      <p:nvGrpSpPr>
+        <p:cNvPr id="1" name=""/>
+        <p:cNvGrpSpPr/>
+        <p:nvPr/>
+      </p:nvGrpSpPr>
+      <p:grpSpPr>
+        <a:xfrm>
+          <a:off x="0" y="0"/>
+          <a:ext cx="0" cy="0"/>
+          <a:chOff x="0" y="0"/>
+          <a:chExt cx="0" cy="0"/>
+        </a:xfrm>
+      </p:grpSpPr>
+      <p:sp>
+        <p:nvSpPr>
+          <p:cNvPr id="2" name="Tytuł 1">
+            <a:extLst>
+              <a:ext uri="{FF2B5EF4-FFF2-40B4-BE49-F238E27FC236}">
+                <a16:creationId xmlns:a16="http://schemas.microsoft.com/office/drawing/2014/main" id="{C71A2840-7CEF-44FA-8108-7A3142B4851E}"/>
+              </a:ext>
+            </a:extLst>
+          </p:cNvPr>
+          <p:cNvSpPr>
+            <a:spLocks noGrp="1"/>
+          </p:cNvSpPr>
+          <p:nvPr>
+            <p:ph type="title"/>
+          </p:nvPr>
+        </p:nvSpPr>
+        <p:spPr>
+          <a:xfrm>
+            <a:off x="646111" y="452718"/>
+            <a:ext cx="9404723" cy="889521"/>
+          </a:xfrm>
+        </p:spPr>
+        <p:txBody>
+          <a:bodyPr/>
+          <a:lstStyle/>
+          <a:p>
+            <a:r>
+              <a:rPr lang="pl-PL" dirty="0" err="1"/>
+              <a:t>Results</a:t>
+            </a:r>
+            <a:endParaRPr lang="pl-PL" dirty="0"/>
+          </a:p>
+        </p:txBody>
+      </p:sp>
+      <p:sp>
+        <p:nvSpPr>
+          <p:cNvPr id="3" name="Symbol zastępczy zawartości 2">
+            <a:extLst>
+              <a:ext uri="{FF2B5EF4-FFF2-40B4-BE49-F238E27FC236}">
+                <a16:creationId xmlns:a16="http://schemas.microsoft.com/office/drawing/2014/main" id="{08102F7C-088D-47FB-8186-2CD643D4C543}"/>
+              </a:ext>
+            </a:extLst>
+          </p:cNvPr>
+          <p:cNvSpPr>
+            <a:spLocks noGrp="1"/>
+          </p:cNvSpPr>
+          <p:nvPr>
+            <p:ph idx="1"/>
+          </p:nvPr>
+        </p:nvSpPr>
+        <p:spPr>
+          <a:xfrm>
+            <a:off x="1103312" y="1241572"/>
+            <a:ext cx="8946541" cy="5006828"/>
+          </a:xfrm>
+        </p:spPr>
+        <p:txBody>
+          <a:bodyPr/>
+          <a:lstStyle/>
+          <a:p>
+            <a:r>
+              <a:rPr lang="pl-PL" dirty="0"/>
+              <a:t>One </a:t>
+            </a:r>
+            <a:r>
+              <a:rPr lang="pl-PL" dirty="0" err="1"/>
+              <a:t>cluster</a:t>
+            </a:r>
+            <a:r>
+              <a:rPr lang="pl-PL" dirty="0"/>
               <a:t> was </a:t>
             </a:r>
             <a:r>
               <a:rPr lang="pl-PL" dirty="0" err="1"/>
               <a:t>selected</a:t>
             </a:r>
-            <a:endParaRPr lang="pl-PL" dirty="0"/>
-          </a:p>
-          <a:p>
-            <a:r>
-              <a:rPr lang="pl-PL" dirty="0"/>
-              <a:t>The </a:t>
+            <a:r>
+              <a:rPr lang="pl-PL" dirty="0"/>
+              <a:t> as </a:t>
             </a:r>
             <a:r>
               <a:rPr lang="pl-PL" dirty="0" err="1"/>
@@ -8397,6 +8919,41 @@
             </a:r>
             <a:r>
               <a:rPr lang="pl-PL" dirty="0"/>
+              <a:t> place for </a:t>
+            </a:r>
+            <a:r>
+              <a:rPr lang="pl-PL" dirty="0" err="1"/>
+              <a:t>new</a:t>
+            </a:r>
+            <a:r>
+              <a:rPr lang="pl-PL" dirty="0"/>
+              <a:t> </a:t>
+            </a:r>
+            <a:r>
+              <a:rPr lang="pl-PL" dirty="0" err="1"/>
+              <a:t>dumpling</a:t>
+            </a:r>
+            <a:r>
+              <a:rPr lang="pl-PL" dirty="0"/>
+              <a:t> </a:t>
+            </a:r>
+            <a:r>
+              <a:rPr lang="pl-PL" dirty="0" err="1"/>
+              <a:t>restaurant</a:t>
+            </a:r>
+            <a:endParaRPr lang="pl-PL" dirty="0"/>
+          </a:p>
+          <a:p>
+            <a:r>
+              <a:rPr lang="pl-PL" dirty="0"/>
+              <a:t>The </a:t>
+            </a:r>
+            <a:r>
+              <a:rPr lang="pl-PL" dirty="0" err="1"/>
+              <a:t>best</a:t>
+            </a:r>
+            <a:r>
+              <a:rPr lang="pl-PL" dirty="0"/>
               <a:t> </a:t>
             </a:r>
             <a:r>
@@ -8413,8 +8970,50 @@
             </a:r>
             <a:endParaRPr lang="pl-PL" dirty="0"/>
           </a:p>
-        </p:txBody>
-      </p:sp>
+          <a:p>
+            <a:endParaRPr lang="pl-PL" dirty="0"/>
+          </a:p>
+        </p:txBody>
+      </p:sp>
+      <p:pic>
+        <p:nvPicPr>
+          <p:cNvPr id="4" name="Obraz 3">
+            <a:extLst>
+              <a:ext uri="{FF2B5EF4-FFF2-40B4-BE49-F238E27FC236}">
+                <a16:creationId xmlns:a16="http://schemas.microsoft.com/office/drawing/2014/main" id="{FE828813-A3A3-4C8B-A855-35A837CECEF4}"/>
+              </a:ext>
+            </a:extLst>
+          </p:cNvPr>
+          <p:cNvPicPr/>
+          <p:nvPr/>
+        </p:nvPicPr>
+        <p:blipFill>
+          <a:blip r:embed="rId2" cstate="print">
+            <a:extLst>
+              <a:ext uri="{28A0092B-C50C-407E-A947-70E740481C1C}">
+                <a14:useLocalDpi xmlns:a14="http://schemas.microsoft.com/office/drawing/2010/main" val="0"/>
+              </a:ext>
+            </a:extLst>
+          </a:blip>
+          <a:srcRect/>
+          <a:stretch>
+            <a:fillRect/>
+          </a:stretch>
+        </p:blipFill>
+        <p:spPr bwMode="auto">
+          <a:xfrm>
+            <a:off x="1231577" y="2131093"/>
+            <a:ext cx="7727866" cy="3792439"/>
+          </a:xfrm>
+          <a:prstGeom prst="rect">
+            <a:avLst/>
+          </a:prstGeom>
+          <a:noFill/>
+          <a:ln>
+            <a:noFill/>
+          </a:ln>
+        </p:spPr>
+      </p:pic>
     </p:spTree>
     <p:extLst>
       <p:ext uri="{BB962C8B-B14F-4D97-AF65-F5344CB8AC3E}">

--- a/capstone_week5.pptx
+++ b/capstone_week5.pptx
@@ -7702,8 +7702,8 @@
           <a:p>
             <a:pPr rtl="0"/>
             <a:r>
-              <a:rPr lang="pl-PL" dirty="0" err="1"/>
-              <a:t>Captsone</a:t>
+              <a:rPr lang="pl-PL"/>
+              <a:t>CapsTone</a:t>
             </a:r>
             <a:r>
               <a:rPr lang="pl-PL" dirty="0"/>
